--- a/RentPricePresentation.pptx
+++ b/RentPricePresentation.pptx
@@ -6461,7 +6461,7 @@
         <p:fade/>
       </p:transition>
     </mc:Choice>
-    <mc:Fallback xmlns:ahyp="http://schemas.microsoft.com/office/drawing/2018/hyperlinkcolor" xmlns:p15="http://schemas.microsoft.com/office/powerpoint/2012/main" xmlns:com="http://schemas.openxmlformats.org/drawingml/2006/compatibility" xmlns:pvml="urn:schemas-microsoft-com:office:powerpoint" xmlns:v="urn:schemas-microsoft-com:vml" xmlns:o="urn:schemas-microsoft-com:office:office" xmlns:dgm="http://schemas.openxmlformats.org/drawingml/2006/diagram" xmlns:c="http://schemas.openxmlformats.org/drawingml/2006/chart" xmlns:mv="urn:schemas-microsoft-com:mac:vml" xmlns="">
+    <mc:Fallback xmlns="" xmlns:mv="urn:schemas-microsoft-com:mac:vml" xmlns:c="http://schemas.openxmlformats.org/drawingml/2006/chart" xmlns:dgm="http://schemas.openxmlformats.org/drawingml/2006/diagram" xmlns:o="urn:schemas-microsoft-com:office:office" xmlns:v="urn:schemas-microsoft-com:vml" xmlns:pvml="urn:schemas-microsoft-com:office:powerpoint" xmlns:com="http://schemas.openxmlformats.org/drawingml/2006/compatibility" xmlns:p15="http://schemas.microsoft.com/office/powerpoint/2012/main" xmlns:ahyp="http://schemas.microsoft.com/office/drawing/2018/hyperlinkcolor">
       <p:transition spd="slow">
         <p:fade/>
       </p:transition>
@@ -7231,7 +7231,7 @@
               <a:buNone/>
             </a:pPr>
             <a:r>
-              <a:rPr lang="en" sz="3300" b="1" u="sng">
+              <a:rPr lang="en" sz="3300" b="1" u="sng" dirty="0">
                 <a:solidFill>
                   <a:schemeClr val="lt1"/>
                 </a:solidFill>
@@ -7242,7 +7242,7 @@
               </a:rPr>
               <a:t>Analysis &amp; Predictive Modeling of Home Rental Prices</a:t>
             </a:r>
-            <a:endParaRPr sz="3300" b="1" u="sng">
+            <a:endParaRPr sz="3300" b="1" u="sng" dirty="0">
               <a:solidFill>
                 <a:schemeClr val="lt1"/>
               </a:solidFill>
@@ -7266,7 +7266,7 @@
               <a:buNone/>
             </a:pPr>
             <a:r>
-              <a:rPr lang="en" sz="2000">
+              <a:rPr lang="en" sz="2000" dirty="0">
                 <a:solidFill>
                   <a:schemeClr val="lt1"/>
                 </a:solidFill>
@@ -7277,7 +7277,7 @@
               </a:rPr>
               <a:t>based on U.S. residential rent data provided within the</a:t>
             </a:r>
-            <a:endParaRPr sz="2000">
+            <a:endParaRPr sz="2000" dirty="0">
               <a:solidFill>
                 <a:schemeClr val="lt1"/>
               </a:solidFill>
@@ -7301,7 +7301,7 @@
               <a:buNone/>
             </a:pPr>
             <a:r>
-              <a:rPr lang="en" sz="3100">
+              <a:rPr lang="en" sz="3100" dirty="0">
                 <a:solidFill>
                   <a:schemeClr val="lt1"/>
                 </a:solidFill>
@@ -7312,7 +7312,7 @@
               </a:rPr>
               <a:t>Zillow Observed Rent Index (ZORI)</a:t>
             </a:r>
-            <a:endParaRPr sz="3100">
+            <a:endParaRPr sz="3100" dirty="0">
               <a:solidFill>
                 <a:schemeClr val="lt1"/>
               </a:solidFill>
@@ -7332,7 +7332,7 @@
               </a:spcAft>
               <a:buNone/>
             </a:pPr>
-            <a:endParaRPr/>
+            <a:endParaRPr dirty="0"/>
           </a:p>
         </p:txBody>
       </p:sp>
@@ -7371,7 +7371,7 @@
               <a:buNone/>
             </a:pPr>
             <a:r>
-              <a:rPr lang="en" sz="1800" u="sng">
+              <a:rPr lang="en" sz="1600" u="sng" dirty="0">
                 <a:solidFill>
                   <a:schemeClr val="lt1"/>
                 </a:solidFill>
@@ -7387,47 +7387,9 @@
                   </a:extLst>
                 </a:hlinkClick>
               </a:rPr>
-              <a:t>https://www.zillow.com/research/</a:t>
+              <a:t>https://www.zillow.com/research/methodology-zori-repeat-rent-27092/</a:t>
             </a:r>
-            <a:r>
-              <a:rPr lang="en" sz="1600" u="sng">
-                <a:solidFill>
-                  <a:schemeClr val="lt1"/>
-                </a:solidFill>
-                <a:latin typeface="Maven Pro"/>
-                <a:ea typeface="Maven Pro"/>
-                <a:cs typeface="Maven Pro"/>
-                <a:sym typeface="Maven Pro"/>
-                <a:hlinkClick r:id="rId3">
-                  <a:extLst>
-                    <a:ext uri="{A12FA001-AC4F-418D-AE19-62706E023703}">
-                      <ahyp:hlinkClr xmlns:ahyp="http://schemas.microsoft.com/office/drawing/2018/hyperlinkcolor" val="tx"/>
-                    </a:ext>
-                  </a:extLst>
-                </a:hlinkClick>
-              </a:rPr>
-              <a:t>methodology-zori-repeat-rent-27092</a:t>
-            </a:r>
-            <a:r>
-              <a:rPr lang="en" sz="1800" u="sng">
-                <a:solidFill>
-                  <a:schemeClr val="lt1"/>
-                </a:solidFill>
-                <a:latin typeface="Maven Pro"/>
-                <a:ea typeface="Maven Pro"/>
-                <a:cs typeface="Maven Pro"/>
-                <a:sym typeface="Maven Pro"/>
-                <a:hlinkClick r:id="rId3">
-                  <a:extLst>
-                    <a:ext uri="{A12FA001-AC4F-418D-AE19-62706E023703}">
-                      <ahyp:hlinkClr xmlns:ahyp="http://schemas.microsoft.com/office/drawing/2018/hyperlinkcolor" val="tx"/>
-                    </a:ext>
-                  </a:extLst>
-                </a:hlinkClick>
-              </a:rPr>
-              <a:t>/</a:t>
-            </a:r>
-            <a:endParaRPr sz="1800">
+            <a:endParaRPr sz="1600" dirty="0">
               <a:solidFill>
                 <a:schemeClr val="lt1"/>
               </a:solidFill>
